--- a/parcial 1/practica 2.pptx
+++ b/parcial 1/practica 2.pptx
@@ -7,6 +7,7 @@
   <p:sldIdLst>
     <p:sldId id="256" r:id="rId2"/>
     <p:sldId id="257" r:id="rId3"/>
+    <p:sldId id="260" r:id="rId4"/>
   </p:sldIdLst>
   <p:sldSz cx="12192000" cy="6858000"/>
   <p:notesSz cx="6858000" cy="9144000"/>
@@ -105,6 +106,11 @@
       </a:defRPr>
     </a:lvl9pPr>
   </p:defaultTextStyle>
+  <p:extLst>
+    <p:ext uri="{EFAFB233-063F-42B5-8137-9DF3F51BA10A}">
+      <p15:sldGuideLst xmlns:p15="http://schemas.microsoft.com/office/powerpoint/2012/main"/>
+    </p:ext>
+  </p:extLst>
 </p:presentation>
 </file>
 
@@ -239,7 +245,7 @@
           <a:p>
             <a:fld id="{72953D30-ED39-4D5A-8F91-EC5D861AEEE0}" type="datetimeFigureOut">
               <a:rPr lang="es-MX" smtClean="0"/>
-              <a:t>13/02/2025</a:t>
+              <a:t>18/02/2025</a:t>
             </a:fld>
             <a:endParaRPr lang="es-MX"/>
           </a:p>
@@ -409,7 +415,7 @@
           <a:p>
             <a:fld id="{72953D30-ED39-4D5A-8F91-EC5D861AEEE0}" type="datetimeFigureOut">
               <a:rPr lang="es-MX" smtClean="0"/>
-              <a:t>13/02/2025</a:t>
+              <a:t>18/02/2025</a:t>
             </a:fld>
             <a:endParaRPr lang="es-MX"/>
           </a:p>
@@ -589,7 +595,7 @@
           <a:p>
             <a:fld id="{72953D30-ED39-4D5A-8F91-EC5D861AEEE0}" type="datetimeFigureOut">
               <a:rPr lang="es-MX" smtClean="0"/>
-              <a:t>13/02/2025</a:t>
+              <a:t>18/02/2025</a:t>
             </a:fld>
             <a:endParaRPr lang="es-MX"/>
           </a:p>
@@ -759,7 +765,7 @@
           <a:p>
             <a:fld id="{72953D30-ED39-4D5A-8F91-EC5D861AEEE0}" type="datetimeFigureOut">
               <a:rPr lang="es-MX" smtClean="0"/>
-              <a:t>13/02/2025</a:t>
+              <a:t>18/02/2025</a:t>
             </a:fld>
             <a:endParaRPr lang="es-MX"/>
           </a:p>
@@ -1005,7 +1011,7 @@
           <a:p>
             <a:fld id="{72953D30-ED39-4D5A-8F91-EC5D861AEEE0}" type="datetimeFigureOut">
               <a:rPr lang="es-MX" smtClean="0"/>
-              <a:t>13/02/2025</a:t>
+              <a:t>18/02/2025</a:t>
             </a:fld>
             <a:endParaRPr lang="es-MX"/>
           </a:p>
@@ -1237,7 +1243,7 @@
           <a:p>
             <a:fld id="{72953D30-ED39-4D5A-8F91-EC5D861AEEE0}" type="datetimeFigureOut">
               <a:rPr lang="es-MX" smtClean="0"/>
-              <a:t>13/02/2025</a:t>
+              <a:t>18/02/2025</a:t>
             </a:fld>
             <a:endParaRPr lang="es-MX"/>
           </a:p>
@@ -1604,7 +1610,7 @@
           <a:p>
             <a:fld id="{72953D30-ED39-4D5A-8F91-EC5D861AEEE0}" type="datetimeFigureOut">
               <a:rPr lang="es-MX" smtClean="0"/>
-              <a:t>13/02/2025</a:t>
+              <a:t>18/02/2025</a:t>
             </a:fld>
             <a:endParaRPr lang="es-MX"/>
           </a:p>
@@ -1722,7 +1728,7 @@
           <a:p>
             <a:fld id="{72953D30-ED39-4D5A-8F91-EC5D861AEEE0}" type="datetimeFigureOut">
               <a:rPr lang="es-MX" smtClean="0"/>
-              <a:t>13/02/2025</a:t>
+              <a:t>18/02/2025</a:t>
             </a:fld>
             <a:endParaRPr lang="es-MX"/>
           </a:p>
@@ -1817,7 +1823,7 @@
           <a:p>
             <a:fld id="{72953D30-ED39-4D5A-8F91-EC5D861AEEE0}" type="datetimeFigureOut">
               <a:rPr lang="es-MX" smtClean="0"/>
-              <a:t>13/02/2025</a:t>
+              <a:t>18/02/2025</a:t>
             </a:fld>
             <a:endParaRPr lang="es-MX"/>
           </a:p>
@@ -2094,7 +2100,7 @@
           <a:p>
             <a:fld id="{72953D30-ED39-4D5A-8F91-EC5D861AEEE0}" type="datetimeFigureOut">
               <a:rPr lang="es-MX" smtClean="0"/>
-              <a:t>13/02/2025</a:t>
+              <a:t>18/02/2025</a:t>
             </a:fld>
             <a:endParaRPr lang="es-MX"/>
           </a:p>
@@ -2347,7 +2353,7 @@
           <a:p>
             <a:fld id="{72953D30-ED39-4D5A-8F91-EC5D861AEEE0}" type="datetimeFigureOut">
               <a:rPr lang="es-MX" smtClean="0"/>
-              <a:t>13/02/2025</a:t>
+              <a:t>18/02/2025</a:t>
             </a:fld>
             <a:endParaRPr lang="es-MX"/>
           </a:p>
@@ -2560,7 +2566,7 @@
           <a:p>
             <a:fld id="{72953D30-ED39-4D5A-8F91-EC5D861AEEE0}" type="datetimeFigureOut">
               <a:rPr lang="es-MX" smtClean="0"/>
-              <a:t>13/02/2025</a:t>
+              <a:t>18/02/2025</a:t>
             </a:fld>
             <a:endParaRPr lang="es-MX"/>
           </a:p>
@@ -3055,14 +3061,9 @@
   <p:cSld>
     <p:bg>
       <p:bgPr>
-        <a:pattFill prst="lgGrid">
-          <a:fgClr>
-            <a:srgbClr val="FF99FF"/>
-          </a:fgClr>
-          <a:bgClr>
-            <a:schemeClr val="bg1"/>
-          </a:bgClr>
-        </a:pattFill>
+        <a:solidFill>
+          <a:srgbClr val="FBD9F2"/>
+        </a:solidFill>
         <a:effectLst/>
       </p:bgPr>
     </p:bg>
@@ -3104,12 +3105,28 @@
           <a:p>
             <a:r>
               <a:rPr lang="es-MX" sz="2800" dirty="0" smtClean="0">
-                <a:latin typeface="Bahnschrift Light" panose="020B0502040204020203" pitchFamily="34" charset="0"/>
+                <a:latin typeface="Times New Roman" panose="02020603050405020304" pitchFamily="18" charset="0"/>
+                <a:cs typeface="Times New Roman" panose="02020603050405020304" pitchFamily="18" charset="0"/>
               </a:rPr>
-              <a:t>Soy Ana Kinue Trujillo Kataura, tengo 16 años, me gusta jugar voleibol, jugar minecraft, estar con mis amigos, comer, mis colores favoritos son rosa, lila y azul, mi comida favorita son los mariscos y mi bebida favorita es la coca-cola</a:t>
+              <a:t>Soy Ana Kinue Trujillo Kataura, tengo 16 años, me gusta jugar voleibol, jugar minecraft, estar con mis amigos, comer, mis colores favoritos son rosa, lila y azul, mi comida favorita son los mariscos y mi bebida favorita es la </a:t>
+            </a:r>
+            <a:r>
+              <a:rPr lang="es-MX" sz="2800" dirty="0" err="1" smtClean="0">
+                <a:latin typeface="Times New Roman" panose="02020603050405020304" pitchFamily="18" charset="0"/>
+                <a:cs typeface="Times New Roman" panose="02020603050405020304" pitchFamily="18" charset="0"/>
+              </a:rPr>
+              <a:t>coca-cola</a:t>
+            </a:r>
+            <a:r>
+              <a:rPr lang="es-MX" sz="2800" dirty="0" smtClean="0">
+                <a:latin typeface="Times New Roman" panose="02020603050405020304" pitchFamily="18" charset="0"/>
+                <a:cs typeface="Times New Roman" panose="02020603050405020304" pitchFamily="18" charset="0"/>
+              </a:rPr>
+              <a:t>.</a:t>
             </a:r>
             <a:endParaRPr lang="es-MX" sz="2800" dirty="0">
-              <a:latin typeface="Bahnschrift Light" panose="020B0502040204020203" pitchFamily="34" charset="0"/>
+              <a:latin typeface="Times New Roman" panose="02020603050405020304" pitchFamily="18" charset="0"/>
+              <a:cs typeface="Times New Roman" panose="02020603050405020304" pitchFamily="18" charset="0"/>
             </a:endParaRPr>
           </a:p>
         </p:txBody>
@@ -3118,6 +3135,345 @@
     <p:extLst>
       <p:ext uri="{BB962C8B-B14F-4D97-AF65-F5344CB8AC3E}">
         <p14:creationId xmlns:p14="http://schemas.microsoft.com/office/powerpoint/2010/main" val="1022203092"/>
+      </p:ext>
+    </p:extLst>
+  </p:cSld>
+  <p:clrMapOvr>
+    <a:masterClrMapping/>
+  </p:clrMapOvr>
+</p:sld>
+</file>
+
+<file path=ppt/slides/slide3.xml><?xml version="1.0" encoding="utf-8"?>
+<p:sld xmlns:a="http://schemas.openxmlformats.org/drawingml/2006/main" xmlns:r="http://schemas.openxmlformats.org/officeDocument/2006/relationships" xmlns:p="http://schemas.openxmlformats.org/presentationml/2006/main">
+  <p:cSld>
+    <p:bg>
+      <p:bgPr>
+        <a:solidFill>
+          <a:srgbClr val="FBD9F2"/>
+        </a:solidFill>
+        <a:effectLst/>
+      </p:bgPr>
+    </p:bg>
+    <p:spTree>
+      <p:nvGrpSpPr>
+        <p:cNvPr id="1" name=""/>
+        <p:cNvGrpSpPr/>
+        <p:nvPr/>
+      </p:nvGrpSpPr>
+      <p:grpSpPr>
+        <a:xfrm>
+          <a:off x="0" y="0"/>
+          <a:ext cx="0" cy="0"/>
+          <a:chOff x="0" y="0"/>
+          <a:chExt cx="0" cy="0"/>
+        </a:xfrm>
+      </p:grpSpPr>
+      <p:pic>
+        <p:nvPicPr>
+          <p:cNvPr id="1028" name="Picture 4" descr="Pintado A Mano De Hembra Maquillaje Maquillaje PNG ,dibujos Imágenes  Prediseñadas De Maquillaje, Cosmético, Fundación PNG y PSD para Descargar  Gratis | Pngtree"/>
+          <p:cNvPicPr>
+            <a:picLocks noChangeAspect="1" noChangeArrowheads="1"/>
+          </p:cNvPicPr>
+          <p:nvPr/>
+        </p:nvPicPr>
+        <p:blipFill>
+          <a:blip r:embed="rId2" cstate="print">
+            <a:extLst>
+              <a:ext uri="{BEBA8EAE-BF5A-486C-A8C5-ECC9F3942E4B}">
+                <a14:imgProps xmlns:a14="http://schemas.microsoft.com/office/drawing/2010/main">
+                  <a14:imgLayer r:embed="rId3">
+                    <a14:imgEffect>
+                      <a14:backgroundRemoval t="3917" b="95000" l="10000" r="90000"/>
+                    </a14:imgEffect>
+                  </a14:imgLayer>
+                </a14:imgProps>
+              </a:ext>
+              <a:ext uri="{28A0092B-C50C-407E-A947-70E740481C1C}">
+                <a14:useLocalDpi xmlns:a14="http://schemas.microsoft.com/office/drawing/2010/main" val="0"/>
+              </a:ext>
+            </a:extLst>
+          </a:blip>
+          <a:srcRect/>
+          <a:stretch>
+            <a:fillRect/>
+          </a:stretch>
+        </p:blipFill>
+        <p:spPr bwMode="auto">
+          <a:xfrm>
+            <a:off x="7058695" y="4068492"/>
+            <a:ext cx="2789508" cy="2789508"/>
+          </a:xfrm>
+          <a:prstGeom prst="rect">
+            <a:avLst/>
+          </a:prstGeom>
+          <a:noFill/>
+          <a:extLst>
+            <a:ext uri="{909E8E84-426E-40DD-AFC4-6F175D3DCCD1}">
+              <a14:hiddenFill xmlns:a14="http://schemas.microsoft.com/office/drawing/2010/main">
+                <a:solidFill>
+                  <a:srgbClr val="FFFFFF"/>
+                </a:solidFill>
+              </a14:hiddenFill>
+            </a:ext>
+          </a:extLst>
+        </p:spPr>
+      </p:pic>
+      <p:pic>
+        <p:nvPicPr>
+          <p:cNvPr id="1030" name="Picture 6" descr="Últimas noticias de Paulo Londra en LA NACION"/>
+          <p:cNvPicPr>
+            <a:picLocks noChangeAspect="1" noChangeArrowheads="1"/>
+          </p:cNvPicPr>
+          <p:nvPr/>
+        </p:nvPicPr>
+        <p:blipFill>
+          <a:blip r:embed="rId4">
+            <a:extLst>
+              <a:ext uri="{28A0092B-C50C-407E-A947-70E740481C1C}">
+                <a14:useLocalDpi xmlns:a14="http://schemas.microsoft.com/office/drawing/2010/main" val="0"/>
+              </a:ext>
+            </a:extLst>
+          </a:blip>
+          <a:srcRect/>
+          <a:stretch>
+            <a:fillRect/>
+          </a:stretch>
+        </p:blipFill>
+        <p:spPr bwMode="auto">
+          <a:xfrm>
+            <a:off x="414989" y="1752265"/>
+            <a:ext cx="3398429" cy="5105735"/>
+          </a:xfrm>
+          <a:prstGeom prst="rect">
+            <a:avLst/>
+          </a:prstGeom>
+          <a:noFill/>
+          <a:extLst>
+            <a:ext uri="{909E8E84-426E-40DD-AFC4-6F175D3DCCD1}">
+              <a14:hiddenFill xmlns:a14="http://schemas.microsoft.com/office/drawing/2010/main">
+                <a:solidFill>
+                  <a:srgbClr val="FFFFFF"/>
+                </a:solidFill>
+              </a14:hiddenFill>
+            </a:ext>
+          </a:extLst>
+        </p:spPr>
+      </p:pic>
+      <p:pic>
+        <p:nvPicPr>
+          <p:cNvPr id="1026" name="Picture 2" descr="clásico botella de Coca Cola 36573467 PNG"/>
+          <p:cNvPicPr>
+            <a:picLocks noChangeAspect="1" noChangeArrowheads="1"/>
+          </p:cNvPicPr>
+          <p:nvPr/>
+        </p:nvPicPr>
+        <p:blipFill>
+          <a:blip r:embed="rId5" cstate="print">
+            <a:extLst>
+              <a:ext uri="{28A0092B-C50C-407E-A947-70E740481C1C}">
+                <a14:useLocalDpi xmlns:a14="http://schemas.microsoft.com/office/drawing/2010/main" val="0"/>
+              </a:ext>
+            </a:extLst>
+          </a:blip>
+          <a:srcRect/>
+          <a:stretch>
+            <a:fillRect/>
+          </a:stretch>
+        </p:blipFill>
+        <p:spPr bwMode="auto">
+          <a:xfrm flipH="1">
+            <a:off x="3502931" y="3345885"/>
+            <a:ext cx="2272123" cy="3512115"/>
+          </a:xfrm>
+          <a:prstGeom prst="rect">
+            <a:avLst/>
+          </a:prstGeom>
+          <a:noFill/>
+          <a:extLst>
+            <a:ext uri="{909E8E84-426E-40DD-AFC4-6F175D3DCCD1}">
+              <a14:hiddenFill xmlns:a14="http://schemas.microsoft.com/office/drawing/2010/main">
+                <a:solidFill>
+                  <a:srgbClr val="FFFFFF"/>
+                </a:solidFill>
+              </a14:hiddenFill>
+            </a:ext>
+          </a:extLst>
+        </p:spPr>
+      </p:pic>
+      <p:pic>
+        <p:nvPicPr>
+          <p:cNvPr id="1032" name="Picture 8" descr="woaharabella User Profile | DeviantArt"/>
+          <p:cNvPicPr>
+            <a:picLocks noChangeAspect="1" noChangeArrowheads="1"/>
+          </p:cNvPicPr>
+          <p:nvPr/>
+        </p:nvPicPr>
+        <p:blipFill>
+          <a:blip r:embed="rId6">
+            <a:extLst>
+              <a:ext uri="{28A0092B-C50C-407E-A947-70E740481C1C}">
+                <a14:useLocalDpi xmlns:a14="http://schemas.microsoft.com/office/drawing/2010/main" val="0"/>
+              </a:ext>
+            </a:extLst>
+          </a:blip>
+          <a:srcRect/>
+          <a:stretch>
+            <a:fillRect/>
+          </a:stretch>
+        </p:blipFill>
+        <p:spPr bwMode="auto">
+          <a:xfrm>
+            <a:off x="9063675" y="4060644"/>
+            <a:ext cx="2240049" cy="2797356"/>
+          </a:xfrm>
+          <a:prstGeom prst="rect">
+            <a:avLst/>
+          </a:prstGeom>
+          <a:noFill/>
+          <a:extLst>
+            <a:ext uri="{909E8E84-426E-40DD-AFC4-6F175D3DCCD1}">
+              <a14:hiddenFill xmlns:a14="http://schemas.microsoft.com/office/drawing/2010/main">
+                <a:solidFill>
+                  <a:srgbClr val="FFFFFF"/>
+                </a:solidFill>
+              </a14:hiddenFill>
+            </a:ext>
+          </a:extLst>
+        </p:spPr>
+      </p:pic>
+      <p:pic>
+        <p:nvPicPr>
+          <p:cNvPr id="1034" name="Picture 10" descr="Tiktok Logo PNG para descargar gratis"/>
+          <p:cNvPicPr>
+            <a:picLocks noChangeAspect="1" noChangeArrowheads="1"/>
+          </p:cNvPicPr>
+          <p:nvPr/>
+        </p:nvPicPr>
+        <p:blipFill>
+          <a:blip r:embed="rId7" cstate="print">
+            <a:extLst>
+              <a:ext uri="{28A0092B-C50C-407E-A947-70E740481C1C}">
+                <a14:useLocalDpi xmlns:a14="http://schemas.microsoft.com/office/drawing/2010/main" val="0"/>
+              </a:ext>
+            </a:extLst>
+          </a:blip>
+          <a:srcRect/>
+          <a:stretch>
+            <a:fillRect/>
+          </a:stretch>
+        </p:blipFill>
+        <p:spPr bwMode="auto">
+          <a:xfrm>
+            <a:off x="6122801" y="3345885"/>
+            <a:ext cx="1958476" cy="1958476"/>
+          </a:xfrm>
+          <a:prstGeom prst="rect">
+            <a:avLst/>
+          </a:prstGeom>
+          <a:noFill/>
+          <a:extLst>
+            <a:ext uri="{909E8E84-426E-40DD-AFC4-6F175D3DCCD1}">
+              <a14:hiddenFill xmlns:a14="http://schemas.microsoft.com/office/drawing/2010/main">
+                <a:solidFill>
+                  <a:srgbClr val="FFFFFF"/>
+                </a:solidFill>
+              </a14:hiddenFill>
+            </a:ext>
+          </a:extLst>
+        </p:spPr>
+      </p:pic>
+      <p:sp>
+        <p:nvSpPr>
+          <p:cNvPr id="3" name="CuadroTexto 2"/>
+          <p:cNvSpPr txBox="1"/>
+          <p:nvPr/>
+        </p:nvSpPr>
+        <p:spPr>
+          <a:xfrm>
+            <a:off x="4138798" y="2338250"/>
+            <a:ext cx="6519302" cy="646331"/>
+          </a:xfrm>
+          <a:prstGeom prst="rect">
+            <a:avLst/>
+          </a:prstGeom>
+          <a:noFill/>
+        </p:spPr>
+        <p:txBody>
+          <a:bodyPr wrap="square" rtlCol="0">
+            <a:spAutoFit/>
+          </a:bodyPr>
+          <a:lstStyle/>
+          <a:p>
+            <a:r>
+              <a:rPr lang="es-MX" dirty="0" smtClean="0">
+                <a:latin typeface="Times New Roman" panose="02020603050405020304" pitchFamily="18" charset="0"/>
+                <a:cs typeface="Times New Roman" panose="02020603050405020304" pitchFamily="18" charset="0"/>
+              </a:rPr>
+              <a:t>Me gusta escuchar canciones de paulo londra y Sabrina </a:t>
+            </a:r>
+            <a:r>
+              <a:rPr lang="es-MX" dirty="0" err="1" smtClean="0">
+                <a:latin typeface="Times New Roman" panose="02020603050405020304" pitchFamily="18" charset="0"/>
+                <a:cs typeface="Times New Roman" panose="02020603050405020304" pitchFamily="18" charset="0"/>
+              </a:rPr>
+              <a:t>carpenter</a:t>
+            </a:r>
+            <a:r>
+              <a:rPr lang="es-MX" dirty="0" smtClean="0">
+                <a:latin typeface="Times New Roman" panose="02020603050405020304" pitchFamily="18" charset="0"/>
+                <a:cs typeface="Times New Roman" panose="02020603050405020304" pitchFamily="18" charset="0"/>
+              </a:rPr>
+              <a:t>,</a:t>
+            </a:r>
+          </a:p>
+          <a:p>
+            <a:r>
+              <a:rPr lang="es-MX" dirty="0" smtClean="0">
+                <a:latin typeface="Times New Roman" panose="02020603050405020304" pitchFamily="18" charset="0"/>
+                <a:cs typeface="Times New Roman" panose="02020603050405020304" pitchFamily="18" charset="0"/>
+              </a:rPr>
+              <a:t>Me gusta mucho la coca, ver </a:t>
+            </a:r>
+            <a:r>
+              <a:rPr lang="es-MX" dirty="0" err="1" smtClean="0">
+                <a:latin typeface="Times New Roman" panose="02020603050405020304" pitchFamily="18" charset="0"/>
+                <a:cs typeface="Times New Roman" panose="02020603050405020304" pitchFamily="18" charset="0"/>
+              </a:rPr>
+              <a:t>tik</a:t>
+            </a:r>
+            <a:r>
+              <a:rPr lang="es-MX" dirty="0" smtClean="0">
+                <a:latin typeface="Times New Roman" panose="02020603050405020304" pitchFamily="18" charset="0"/>
+                <a:cs typeface="Times New Roman" panose="02020603050405020304" pitchFamily="18" charset="0"/>
+              </a:rPr>
+              <a:t> </a:t>
+            </a:r>
+            <a:r>
+              <a:rPr lang="es-MX" dirty="0" err="1" smtClean="0">
+                <a:latin typeface="Times New Roman" panose="02020603050405020304" pitchFamily="18" charset="0"/>
+                <a:cs typeface="Times New Roman" panose="02020603050405020304" pitchFamily="18" charset="0"/>
+              </a:rPr>
+              <a:t>tok</a:t>
+            </a:r>
+            <a:r>
+              <a:rPr lang="es-MX" dirty="0" smtClean="0">
+                <a:latin typeface="Times New Roman" panose="02020603050405020304" pitchFamily="18" charset="0"/>
+                <a:cs typeface="Times New Roman" panose="02020603050405020304" pitchFamily="18" charset="0"/>
+              </a:rPr>
+              <a:t> y maquillarme</a:t>
+            </a:r>
+            <a:endParaRPr lang="es-MX" dirty="0">
+              <a:latin typeface="Times New Roman" panose="02020603050405020304" pitchFamily="18" charset="0"/>
+              <a:cs typeface="Times New Roman" panose="02020603050405020304" pitchFamily="18" charset="0"/>
+            </a:endParaRPr>
+          </a:p>
+        </p:txBody>
+      </p:sp>
+    </p:spTree>
+    <p:extLst>
+      <p:ext uri="{BB962C8B-B14F-4D97-AF65-F5344CB8AC3E}">
+        <p14:creationId xmlns:p14="http://schemas.microsoft.com/office/powerpoint/2010/main" val="876373868"/>
       </p:ext>
     </p:extLst>
   </p:cSld>
